--- a/lectures/week8/lecture2/slides/week8_lecture2.pptx
+++ b/lectures/week8/lecture2/slides/week8_lecture2.pptx
@@ -1759,8 +1759,32 @@
           </a:xfrm>
         </p:spPr>
         <p:txBody>
-          <a:bodyPr/>
+          <a:bodyPr>
+            <a:normAutofit lnSpcReduction="10000"/>
+          </a:bodyPr>
           <a:lstStyle/>
+          <a:p>
+            <a:r>
+              <a:rPr lang="en-US" dirty="0"/>
+              <a:t>Introducing out 6</a:t>
+            </a:r>
+            <a:r>
+              <a:rPr lang="en-US" baseline="30000" dirty="0"/>
+              <a:t>th</a:t>
+            </a:r>
+            <a:r>
+              <a:rPr lang="en-US" dirty="0"/>
+              <a:t> iterable</a:t>
+            </a:r>
+            <a:r>
+              <a:rPr lang="en-US" dirty="0">
+                <a:solidFill>
+                  <a:schemeClr val="accent2"/>
+                </a:solidFill>
+              </a:rPr>
+              <a:t>!</a:t>
+            </a:r>
+          </a:p>
           <a:p>
             <a:r>
               <a:rPr lang="en-US" dirty="0"/>
@@ -1790,7 +1814,27 @@
           <a:p>
             <a:r>
               <a:rPr lang="en-US" dirty="0"/>
-              <a:t>The ordering in which the keys are iterated over is not necessarily the order in which the elements were inserted into the dictionary</a:t>
+              <a:t>The</a:t>
+            </a:r>
+            <a:r>
+              <a:rPr lang="en-US" b="1" dirty="0"/>
+              <a:t> </a:t>
+            </a:r>
+            <a:r>
+              <a:rPr lang="en-US" b="1" dirty="0">
+                <a:solidFill>
+                  <a:schemeClr val="accent6"/>
+                </a:solidFill>
+              </a:rPr>
+              <a:t>ordering</a:t>
+            </a:r>
+            <a:r>
+              <a:rPr lang="en-US" b="1" dirty="0"/>
+              <a:t> </a:t>
+            </a:r>
+            <a:r>
+              <a:rPr lang="en-US" dirty="0"/>
+              <a:t>in which the keys are iterated over is not necessarily the order in which the elements were inserted into the dictionary</a:t>
             </a:r>
             <a:r>
               <a:rPr lang="en-US" dirty="0">
@@ -1818,7 +1862,7 @@
         <p:spPr>
           <a:xfrm>
             <a:off x="6008916" y="612316"/>
-            <a:ext cx="6033654" cy="6186309"/>
+            <a:ext cx="6033654" cy="6032421"/>
           </a:xfrm>
           <a:prstGeom prst="rect">
             <a:avLst/>
@@ -1904,8 +1948,25 @@
                 <a:latin typeface="Courier New" panose="02070309020205020404" pitchFamily="49" charset="0"/>
                 <a:cs typeface="Courier New" panose="02070309020205020404" pitchFamily="49" charset="0"/>
               </a:rPr>
-              <a:t> in friends:</a:t>
-            </a:r>
+              <a:t> in friends:   </a:t>
+            </a:r>
+            <a:r>
+              <a:rPr lang="en-US" sz="1400" b="1" dirty="0">
+                <a:solidFill>
+                  <a:srgbClr val="00FF00"/>
+                </a:solidFill>
+                <a:latin typeface="Courier New" panose="02070309020205020404" pitchFamily="49" charset="0"/>
+                <a:cs typeface="Courier New" panose="02070309020205020404" pitchFamily="49" charset="0"/>
+              </a:rPr>
+              <a:t>or friends.keys()</a:t>
+            </a:r>
+            <a:endParaRPr lang="en-US" sz="2000" b="1" dirty="0">
+              <a:solidFill>
+                <a:srgbClr val="00FF00"/>
+              </a:solidFill>
+              <a:latin typeface="Courier New" panose="02070309020205020404" pitchFamily="49" charset="0"/>
+              <a:cs typeface="Courier New" panose="02070309020205020404" pitchFamily="49" charset="0"/>
+            </a:endParaRPr>
           </a:p>
           <a:p>
             <a:r>
@@ -2174,7 +2235,7 @@
                 <a:latin typeface="Courier New" panose="02070309020205020404" pitchFamily="49" charset="0"/>
                 <a:cs typeface="Courier New" panose="02070309020205020404" pitchFamily="49" charset="0"/>
               </a:rPr>
-              <a:t>key</a:t>
+              <a:t>item </a:t>
             </a:r>
             <a:r>
               <a:rPr lang="en-US" sz="2000" b="1" dirty="0">
@@ -2184,7 +2245,7 @@
                 <a:latin typeface="Courier New" panose="02070309020205020404" pitchFamily="49" charset="0"/>
                 <a:cs typeface="Courier New" panose="02070309020205020404" pitchFamily="49" charset="0"/>
               </a:rPr>
-              <a:t>, </a:t>
+              <a:t>in friends.</a:t>
             </a:r>
             <a:r>
               <a:rPr lang="en-US" sz="2000" b="1" dirty="0">
@@ -2194,7 +2255,7 @@
                 <a:latin typeface="Courier New" panose="02070309020205020404" pitchFamily="49" charset="0"/>
                 <a:cs typeface="Courier New" panose="02070309020205020404" pitchFamily="49" charset="0"/>
               </a:rPr>
-              <a:t>value</a:t>
+              <a:t>items()</a:t>
             </a:r>
             <a:r>
               <a:rPr lang="en-US" sz="2000" b="1" dirty="0">
@@ -2204,17 +2265,29 @@
                 <a:latin typeface="Courier New" panose="02070309020205020404" pitchFamily="49" charset="0"/>
                 <a:cs typeface="Courier New" panose="02070309020205020404" pitchFamily="49" charset="0"/>
               </a:rPr>
-              <a:t> in friends.</a:t>
-            </a:r>
+              <a:t>:</a:t>
+            </a:r>
+          </a:p>
+          <a:p>
             <a:r>
               <a:rPr lang="en-US" sz="2000" b="1" dirty="0">
                 <a:solidFill>
+                  <a:srgbClr val="00FF00"/>
+                </a:solidFill>
+                <a:latin typeface="Courier New" panose="02070309020205020404" pitchFamily="49" charset="0"/>
+                <a:cs typeface="Courier New" panose="02070309020205020404" pitchFamily="49" charset="0"/>
+              </a:rPr>
+              <a:t>       print(</a:t>
+            </a:r>
+            <a:r>
+              <a:rPr lang="en-US" sz="2000" b="1" dirty="0">
+                <a:solidFill>
                   <a:srgbClr val="E00BE5"/>
                 </a:solidFill>
                 <a:latin typeface="Courier New" panose="02070309020205020404" pitchFamily="49" charset="0"/>
                 <a:cs typeface="Courier New" panose="02070309020205020404" pitchFamily="49" charset="0"/>
               </a:rPr>
-              <a:t>items()</a:t>
+              <a:t>item</a:t>
             </a:r>
             <a:r>
               <a:rPr lang="en-US" sz="2000" b="1" dirty="0">
@@ -2224,7 +2297,7 @@
                 <a:latin typeface="Courier New" panose="02070309020205020404" pitchFamily="49" charset="0"/>
                 <a:cs typeface="Courier New" panose="02070309020205020404" pitchFamily="49" charset="0"/>
               </a:rPr>
-              <a:t>:</a:t>
+              <a:t>)</a:t>
             </a:r>
           </a:p>
           <a:p>
@@ -2236,71 +2309,19 @@
                 <a:latin typeface="Courier New" panose="02070309020205020404" pitchFamily="49" charset="0"/>
                 <a:cs typeface="Courier New" panose="02070309020205020404" pitchFamily="49" charset="0"/>
               </a:rPr>
-              <a:t>       print(</a:t>
-            </a:r>
+              <a:t>(“Bob”, 32)</a:t>
+            </a:r>
+          </a:p>
+          <a:p>
             <a:r>
               <a:rPr lang="en-US" sz="2000" b="1" dirty="0">
                 <a:solidFill>
-                  <a:srgbClr val="E00BE5"/>
-                </a:solidFill>
-                <a:latin typeface="Courier New" panose="02070309020205020404" pitchFamily="49" charset="0"/>
-                <a:cs typeface="Courier New" panose="02070309020205020404" pitchFamily="49" charset="0"/>
-              </a:rPr>
-              <a:t>key</a:t>
-            </a:r>
-            <a:r>
-              <a:rPr lang="en-US" sz="2000" b="1" dirty="0">
-                <a:solidFill>
                   <a:srgbClr val="00FF00"/>
                 </a:solidFill>
                 <a:latin typeface="Courier New" panose="02070309020205020404" pitchFamily="49" charset="0"/>
                 <a:cs typeface="Courier New" panose="02070309020205020404" pitchFamily="49" charset="0"/>
               </a:rPr>
-              <a:t>, </a:t>
-            </a:r>
-            <a:r>
-              <a:rPr lang="en-US" sz="2000" b="1" dirty="0">
-                <a:solidFill>
-                  <a:srgbClr val="E00BE5"/>
-                </a:solidFill>
-                <a:latin typeface="Courier New" panose="02070309020205020404" pitchFamily="49" charset="0"/>
-                <a:cs typeface="Courier New" panose="02070309020205020404" pitchFamily="49" charset="0"/>
-              </a:rPr>
-              <a:t>value</a:t>
-            </a:r>
-            <a:r>
-              <a:rPr lang="en-US" sz="2000" b="1" dirty="0">
-                <a:solidFill>
-                  <a:srgbClr val="00FF00"/>
-                </a:solidFill>
-                <a:latin typeface="Courier New" panose="02070309020205020404" pitchFamily="49" charset="0"/>
-                <a:cs typeface="Courier New" panose="02070309020205020404" pitchFamily="49" charset="0"/>
-              </a:rPr>
-              <a:t>)</a:t>
-            </a:r>
-          </a:p>
-          <a:p>
-            <a:r>
-              <a:rPr lang="en-US" sz="2000" b="1" dirty="0">
-                <a:solidFill>
-                  <a:srgbClr val="00FF00"/>
-                </a:solidFill>
-                <a:latin typeface="Courier New" panose="02070309020205020404" pitchFamily="49" charset="0"/>
-                <a:cs typeface="Courier New" panose="02070309020205020404" pitchFamily="49" charset="0"/>
-              </a:rPr>
-              <a:t>“Bob” 32</a:t>
-            </a:r>
-          </a:p>
-          <a:p>
-            <a:r>
-              <a:rPr lang="en-US" sz="2000" b="1" dirty="0">
-                <a:solidFill>
-                  <a:srgbClr val="00FF00"/>
-                </a:solidFill>
-                <a:latin typeface="Courier New" panose="02070309020205020404" pitchFamily="49" charset="0"/>
-                <a:cs typeface="Courier New" panose="02070309020205020404" pitchFamily="49" charset="0"/>
-              </a:rPr>
-              <a:t>“Jane” 42</a:t>
+              <a:t>(“Jane”, 42)</a:t>
             </a:r>
           </a:p>
         </p:txBody>
@@ -3678,6 +3699,45 @@
           </a:p>
         </p:txBody>
       </p:sp>
+      <p:sp>
+        <p:nvSpPr>
+          <p:cNvPr id="2" name="TextBox 1">
+            <a:extLst>
+              <a:ext uri="{FF2B5EF4-FFF2-40B4-BE49-F238E27FC236}">
+                <a16:creationId xmlns:a16="http://schemas.microsoft.com/office/drawing/2014/main" id="{B8F6A8C1-771C-4510-AD41-3FCB97145829}"/>
+              </a:ext>
+            </a:extLst>
+          </p:cNvPr>
+          <p:cNvSpPr txBox="1"/>
+          <p:nvPr/>
+        </p:nvSpPr>
+        <p:spPr>
+          <a:xfrm>
+            <a:off x="9599625" y="792407"/>
+            <a:ext cx="2097049" cy="707886"/>
+          </a:xfrm>
+          <a:prstGeom prst="rect">
+            <a:avLst/>
+          </a:prstGeom>
+          <a:noFill/>
+        </p:spPr>
+        <p:txBody>
+          <a:bodyPr wrap="none" rtlCol="0">
+            <a:spAutoFit/>
+          </a:bodyPr>
+          <a:lstStyle/>
+          <a:p>
+            <a:r>
+              <a:rPr lang="en-US" sz="4000" b="1" dirty="0">
+                <a:solidFill>
+                  <a:schemeClr val="accent6"/>
+                </a:solidFill>
+              </a:rPr>
+              <a:t>Practice</a:t>
+            </a:r>
+          </a:p>
+        </p:txBody>
+      </p:sp>
     </p:spTree>
     <p:extLst>
       <p:ext uri="{BB962C8B-B14F-4D97-AF65-F5344CB8AC3E}">
@@ -3983,7 +4043,7 @@
             </a:r>
             <a:r>
               <a:rPr lang="en-US" dirty="0"/>
-              <a:t> ??</a:t>
+              <a:t> 11</a:t>
             </a:r>
           </a:p>
           <a:p>
@@ -4011,7 +4071,7 @@
             <a:pPr lvl="1"/>
             <a:r>
               <a:rPr lang="en-US" b="1" dirty="0"/>
-              <a:t>Reading: ??</a:t>
+              <a:t>Reading: 11</a:t>
             </a:r>
           </a:p>
           <a:p>
@@ -4031,20 +4091,16 @@
           <a:p>
             <a:pPr lvl="1"/>
             <a:r>
-              <a:rPr lang="en-US" b="1" dirty="0"/>
-              <a:t>Design Problem</a:t>
-            </a:r>
-            <a:r>
-              <a:rPr lang="en-US" b="1" dirty="0">
-                <a:solidFill>
-                  <a:schemeClr val="accent1"/>
-                </a:solidFill>
-              </a:rPr>
-              <a:t>:</a:t>
-            </a:r>
-            <a:r>
-              <a:rPr lang="en-US" b="1" dirty="0"/>
-              <a:t> Solving Systems of Equations</a:t>
+              <a:rPr lang="en-US" dirty="0"/>
+              <a:t>Review for Midterm 2 </a:t>
+            </a:r>
+            <a:r>
+              <a:rPr lang="en-US" dirty="0">
+                <a:solidFill>
+                  <a:schemeClr val="accent6"/>
+                </a:solidFill>
+              </a:rPr>
+              <a:t>#jeopardy</a:t>
             </a:r>
           </a:p>
         </p:txBody>
@@ -4854,7 +4910,7 @@
                 <a:latin typeface="Courier New" panose="02070309020205020404" pitchFamily="49" charset="0"/>
                 <a:cs typeface="Courier New" panose="02070309020205020404" pitchFamily="49" charset="0"/>
               </a:rPr>
-              <a:t> expr1</a:t>
+              <a:t> val1</a:t>
             </a:r>
             <a:r>
               <a:rPr lang="en-US" sz="3400" b="1" dirty="0">
@@ -4884,7 +4940,7 @@
                 <a:latin typeface="Courier New" panose="02070309020205020404" pitchFamily="49" charset="0"/>
                 <a:cs typeface="Courier New" panose="02070309020205020404" pitchFamily="49" charset="0"/>
               </a:rPr>
-              <a:t>key1</a:t>
+              <a:t>key2</a:t>
             </a:r>
             <a:r>
               <a:rPr lang="en-US" sz="3400" b="1" dirty="0">
@@ -4904,7 +4960,7 @@
                 <a:latin typeface="Courier New" panose="02070309020205020404" pitchFamily="49" charset="0"/>
                 <a:cs typeface="Courier New" panose="02070309020205020404" pitchFamily="49" charset="0"/>
               </a:rPr>
-              <a:t> expr1, ..., </a:t>
+              <a:t> val2, ..., </a:t>
             </a:r>
             <a:r>
               <a:rPr lang="en-US" sz="3400" b="1" dirty="0">
@@ -4934,7 +4990,7 @@
                 <a:latin typeface="Courier New" panose="02070309020205020404" pitchFamily="49" charset="0"/>
                 <a:cs typeface="Courier New" panose="02070309020205020404" pitchFamily="49" charset="0"/>
               </a:rPr>
-              <a:t> exprN</a:t>
+              <a:t> valN</a:t>
             </a:r>
             <a:r>
               <a:rPr lang="en-US" sz="3400" b="1" dirty="0">
@@ -5118,6 +5174,107 @@
                 <a:cs typeface="Courier New" panose="02070309020205020404" pitchFamily="49" charset="0"/>
               </a:rPr>
               <a:t>}</a:t>
+            </a:r>
+          </a:p>
+        </p:txBody>
+      </p:sp>
+      <p:sp>
+        <p:nvSpPr>
+          <p:cNvPr id="7" name="TextBox 6">
+            <a:extLst>
+              <a:ext uri="{FF2B5EF4-FFF2-40B4-BE49-F238E27FC236}">
+                <a16:creationId xmlns:a16="http://schemas.microsoft.com/office/drawing/2014/main" id="{0A19103E-E3B3-4CA6-B4DC-BECEA77E4E9E}"/>
+              </a:ext>
+            </a:extLst>
+          </p:cNvPr>
+          <p:cNvSpPr txBox="1"/>
+          <p:nvPr/>
+        </p:nvSpPr>
+        <p:spPr>
+          <a:xfrm>
+            <a:off x="5360746" y="805853"/>
+            <a:ext cx="6519537" cy="615553"/>
+          </a:xfrm>
+          <a:prstGeom prst="rect">
+            <a:avLst/>
+          </a:prstGeom>
+          <a:noFill/>
+        </p:spPr>
+        <p:txBody>
+          <a:bodyPr wrap="square" rtlCol="0">
+            <a:spAutoFit/>
+          </a:bodyPr>
+          <a:lstStyle/>
+          <a:p>
+            <a:pPr algn="ctr"/>
+            <a:r>
+              <a:rPr lang="en-US" sz="3400" b="1" dirty="0">
+                <a:solidFill>
+                  <a:schemeClr val="accent6"/>
+                </a:solidFill>
+                <a:latin typeface="Courier New" panose="02070309020205020404" pitchFamily="49" charset="0"/>
+                <a:cs typeface="Courier New" panose="02070309020205020404" pitchFamily="49" charset="0"/>
+              </a:rPr>
+              <a:t>{</a:t>
+            </a:r>
+            <a:r>
+              <a:rPr lang="en-US" sz="3400" b="1" dirty="0">
+                <a:solidFill>
+                  <a:srgbClr val="E00BE5"/>
+                </a:solidFill>
+                <a:latin typeface="Courier New" panose="02070309020205020404" pitchFamily="49" charset="0"/>
+                <a:cs typeface="Courier New" panose="02070309020205020404" pitchFamily="49" charset="0"/>
+              </a:rPr>
+              <a:t>‘ford’, ‘tesla’, ‘BMW’</a:t>
+            </a:r>
+            <a:r>
+              <a:rPr lang="en-US" sz="3400" b="1" dirty="0">
+                <a:solidFill>
+                  <a:schemeClr val="accent6"/>
+                </a:solidFill>
+                <a:latin typeface="Courier New" panose="02070309020205020404" pitchFamily="49" charset="0"/>
+                <a:cs typeface="Courier New" panose="02070309020205020404" pitchFamily="49" charset="0"/>
+              </a:rPr>
+              <a:t>}</a:t>
+            </a:r>
+          </a:p>
+        </p:txBody>
+      </p:sp>
+      <p:sp>
+        <p:nvSpPr>
+          <p:cNvPr id="4" name="TextBox 3">
+            <a:extLst>
+              <a:ext uri="{FF2B5EF4-FFF2-40B4-BE49-F238E27FC236}">
+                <a16:creationId xmlns:a16="http://schemas.microsoft.com/office/drawing/2014/main" id="{AA4462F1-0581-4DBF-A667-36C31149AAA1}"/>
+              </a:ext>
+            </a:extLst>
+          </p:cNvPr>
+          <p:cNvSpPr txBox="1"/>
+          <p:nvPr/>
+        </p:nvSpPr>
+        <p:spPr>
+          <a:xfrm>
+            <a:off x="4644702" y="882796"/>
+            <a:ext cx="644728" cy="461665"/>
+          </a:xfrm>
+          <a:prstGeom prst="rect">
+            <a:avLst/>
+          </a:prstGeom>
+          <a:noFill/>
+        </p:spPr>
+        <p:txBody>
+          <a:bodyPr wrap="none" rtlCol="0">
+            <a:spAutoFit/>
+          </a:bodyPr>
+          <a:lstStyle/>
+          <a:p>
+            <a:r>
+              <a:rPr lang="en-US" sz="2400" b="1" dirty="0">
+                <a:solidFill>
+                  <a:schemeClr val="accent3"/>
+                </a:solidFill>
+              </a:rPr>
+              <a:t>Set</a:t>
             </a:r>
           </a:p>
         </p:txBody>
@@ -5322,7 +5479,27 @@
                   <a:schemeClr val="accent1"/>
                 </a:solidFill>
               </a:rPr>
-              <a:t>.</a:t>
+              <a:t>.  </a:t>
+            </a:r>
+            <a:r>
+              <a:rPr lang="en-US" sz="2600" b="1" dirty="0">
+                <a:solidFill>
+                  <a:schemeClr val="accent1"/>
+                </a:solidFill>
+              </a:rPr>
+              <a:t>(</a:t>
+            </a:r>
+            <a:r>
+              <a:rPr lang="en-US" sz="2600" b="1" dirty="0"/>
+              <a:t>No lists or sets</a:t>
+            </a:r>
+            <a:r>
+              <a:rPr lang="en-US" sz="2600" b="1" dirty="0">
+                <a:solidFill>
+                  <a:schemeClr val="accent1"/>
+                </a:solidFill>
+              </a:rPr>
+              <a:t>)</a:t>
             </a:r>
           </a:p>
           <a:p>
@@ -6652,7 +6829,7 @@
                 <a:latin typeface="Courier New" panose="02070309020205020404" pitchFamily="49" charset="0"/>
                 <a:cs typeface="Courier New" panose="02070309020205020404" pitchFamily="49" charset="0"/>
               </a:rPr>
-              <a:t> grades[‘Tina’]</a:t>
+              <a:t> del grades[‘Tina’]</a:t>
             </a:r>
           </a:p>
           <a:p>
@@ -7031,12 +7208,36 @@
           </a:p>
           <a:p>
             <a:pPr lvl="1"/>
-            <a:endParaRPr lang="en-US" dirty="0">
-              <a:solidFill>
-                <a:schemeClr val="accent2"/>
-              </a:solidFill>
-              <a:cs typeface="Courier New" panose="02070309020205020404" pitchFamily="49" charset="0"/>
-            </a:endParaRPr>
+            <a:r>
+              <a:rPr lang="en-US" dirty="0">
+                <a:cs typeface="Courier New" panose="02070309020205020404" pitchFamily="49" charset="0"/>
+              </a:rPr>
+              <a:t>We index with keys not position like lists </a:t>
+            </a:r>
+            <a:r>
+              <a:rPr lang="en-US" dirty="0">
+                <a:solidFill>
+                  <a:schemeClr val="accent2"/>
+                </a:solidFill>
+                <a:cs typeface="Courier New" panose="02070309020205020404" pitchFamily="49" charset="0"/>
+              </a:rPr>
+              <a:t>&amp; </a:t>
+            </a:r>
+            <a:r>
+              <a:rPr lang="en-US" dirty="0">
+                <a:cs typeface="Courier New" panose="02070309020205020404" pitchFamily="49" charset="0"/>
+              </a:rPr>
+              <a:t>tuples</a:t>
+            </a:r>
+            <a:r>
+              <a:rPr lang="en-US" dirty="0">
+                <a:solidFill>
+                  <a:schemeClr val="accent2"/>
+                </a:solidFill>
+                <a:cs typeface="Courier New" panose="02070309020205020404" pitchFamily="49" charset="0"/>
+              </a:rPr>
+              <a:t>.</a:t>
+            </a:r>
           </a:p>
           <a:p>
             <a:r>
